--- a/project-4-main/doc/proj4_report.pptx
+++ b/project-4-main/doc/proj4_report.pptx
@@ -36021,16 +36021,16 @@
               </a:tabLst>
             </a:pPr>
             <a:r>
-              <a:rPr lang="en" sz="2800" b="0" strike="noStrike" spc="-1">
+              <a:rPr lang="en-US" sz="2800" b="0" strike="noStrike" spc="-1" dirty="0">
                 <a:solidFill>
                   <a:srgbClr val="595959"/>
                 </a:solidFill>
                 <a:latin typeface="Arial"/>
                 <a:ea typeface="Arial"/>
               </a:rPr>
-              <a:t>[name]</a:t>
-            </a:r>
-            <a:endParaRPr lang="en-US" sz="2800" b="0" strike="noStrike" spc="-1">
+              <a:t>Anirudh Arunkumar</a:t>
+            </a:r>
+            <a:endParaRPr lang="en-US" sz="2800" b="0" strike="noStrike" spc="-1" dirty="0">
               <a:solidFill>
                 <a:srgbClr val="000000"/>
               </a:solidFill>
@@ -36051,16 +36051,15 @@
               </a:tabLst>
             </a:pPr>
             <a:r>
-              <a:rPr lang="en" sz="2800" b="0" strike="noStrike" spc="-1">
+              <a:rPr lang="en" sz="2800" spc="-1" dirty="0">
                 <a:solidFill>
                   <a:srgbClr val="595959"/>
                 </a:solidFill>
                 <a:latin typeface="Arial"/>
-                <a:ea typeface="Arial"/>
-              </a:rPr>
-              <a:t>[GT email]</a:t>
-            </a:r>
-            <a:endParaRPr lang="en-US" sz="2800" b="0" strike="noStrike" spc="-1">
+              </a:rPr>
+              <a:t>aarunkumar8@gatech.edu</a:t>
+            </a:r>
+            <a:endParaRPr lang="en-US" sz="2800" b="0" strike="noStrike" spc="-1" dirty="0">
               <a:solidFill>
                 <a:srgbClr val="000000"/>
               </a:solidFill>
@@ -36081,16 +36080,15 @@
               </a:tabLst>
             </a:pPr>
             <a:r>
-              <a:rPr lang="en" sz="2800" b="0" strike="noStrike" spc="-1">
+              <a:rPr lang="en" sz="2800" spc="-1" dirty="0">
                 <a:solidFill>
                   <a:srgbClr val="595959"/>
                 </a:solidFill>
                 <a:latin typeface="Arial"/>
-                <a:ea typeface="Arial"/>
-              </a:rPr>
-              <a:t>[GT username]</a:t>
-            </a:r>
-            <a:endParaRPr lang="en-US" sz="2800" b="0" strike="noStrike" spc="-1">
+              </a:rPr>
+              <a:t>aarunkumar8</a:t>
+            </a:r>
+            <a:endParaRPr lang="en-US" sz="2800" b="0" strike="noStrike" spc="-1" dirty="0">
               <a:solidFill>
                 <a:srgbClr val="000000"/>
               </a:solidFill>
@@ -36111,16 +36109,15 @@
               </a:tabLst>
             </a:pPr>
             <a:r>
-              <a:rPr lang="en" sz="2800" b="0" strike="noStrike" spc="-1">
+              <a:rPr lang="en" sz="2800" spc="-1" dirty="0">
                 <a:solidFill>
                   <a:srgbClr val="595959"/>
                 </a:solidFill>
                 <a:latin typeface="Arial"/>
-                <a:ea typeface="Arial"/>
-              </a:rPr>
-              <a:t>[GT ID]</a:t>
-            </a:r>
-            <a:endParaRPr lang="en-US" sz="2800" b="0" strike="noStrike" spc="-1">
+              </a:rPr>
+              <a:t>903572206</a:t>
+            </a:r>
+            <a:endParaRPr lang="en-US" sz="2800" b="0" strike="noStrike" spc="-1" dirty="0">
               <a:solidFill>
                 <a:srgbClr val="000000"/>
               </a:solidFill>
@@ -36140,7 +36137,7 @@
                 <a:tab pos="0" algn="l"/>
               </a:tabLst>
             </a:pPr>
-            <a:endParaRPr lang="en-US" sz="2800" b="0" strike="noStrike" spc="-1">
+            <a:endParaRPr lang="en-US" sz="2800" b="0" strike="noStrike" spc="-1" dirty="0">
               <a:solidFill>
                 <a:srgbClr val="000000"/>
               </a:solidFill>

--- a/project-4-main/doc/proj4_report.pptx
+++ b/project-4-main/doc/proj4_report.pptx
@@ -36404,7 +36404,13 @@
         <p:nvGraphicFramePr>
           <p:cNvPr id="228" name="Google Shape;107;p26"/>
           <p:cNvGraphicFramePr/>
-          <p:nvPr/>
+          <p:nvPr>
+            <p:extLst>
+              <p:ext uri="{D42A27DB-BD31-4B8C-83A1-F6EECF244321}">
+                <p14:modId xmlns:p14="http://schemas.microsoft.com/office/powerpoint/2010/main" val="4267801692"/>
+              </p:ext>
+            </p:extLst>
+          </p:nvPr>
         </p:nvGraphicFramePr>
         <p:xfrm>
           <a:off x="595440" y="1693440"/>
@@ -36669,13 +36675,16 @@
                     <a:bodyPr/>
                     <a:lstStyle/>
                     <a:p>
-                      <a:endParaRPr lang="en-US" sz="1800" b="0" strike="noStrike" spc="-1">
-                        <a:solidFill>
-                          <a:schemeClr val="dk1"/>
-                        </a:solidFill>
-                        <a:latin typeface="Arial"/>
-                        <a:ea typeface="DejaVu Sans"/>
-                      </a:endParaRPr>
+                      <a:r>
+                        <a:rPr lang="en-US" sz="1800" b="0" strike="noStrike" spc="-1" dirty="0">
+                          <a:solidFill>
+                            <a:schemeClr val="dk1"/>
+                          </a:solidFill>
+                          <a:latin typeface="Arial"/>
+                          <a:ea typeface="DejaVu Sans"/>
+                        </a:rPr>
+                        <a:t>0.2410</a:t>
+                      </a:r>
                     </a:p>
                   </a:txBody>
                   <a:tcPr marL="91080" marR="91080">
@@ -36711,13 +36720,16 @@
                     <a:bodyPr/>
                     <a:lstStyle/>
                     <a:p>
-                      <a:endParaRPr lang="en-US" sz="1800" b="0" strike="noStrike" spc="-1">
-                        <a:solidFill>
-                          <a:schemeClr val="dk1"/>
-                        </a:solidFill>
-                        <a:latin typeface="Arial"/>
-                        <a:ea typeface="DejaVu Sans"/>
-                      </a:endParaRPr>
+                      <a:r>
+                        <a:rPr lang="en-US" sz="1800" b="0" strike="noStrike" spc="-1" dirty="0">
+                          <a:solidFill>
+                            <a:schemeClr val="dk1"/>
+                          </a:solidFill>
+                          <a:latin typeface="Arial"/>
+                          <a:ea typeface="DejaVu Sans"/>
+                        </a:rPr>
+                        <a:t>0.3295</a:t>
+                      </a:r>
                     </a:p>
                   </a:txBody>
                   <a:tcPr marL="91080" marR="91080">
@@ -36821,13 +36833,16 @@
                     <a:bodyPr/>
                     <a:lstStyle/>
                     <a:p>
-                      <a:endParaRPr lang="en-US" sz="1800" b="0" strike="noStrike" spc="-1">
-                        <a:solidFill>
-                          <a:schemeClr val="dk1"/>
-                        </a:solidFill>
-                        <a:latin typeface="Arial"/>
-                        <a:ea typeface="DejaVu Sans"/>
-                      </a:endParaRPr>
+                      <a:r>
+                        <a:rPr lang="en-US" sz="1800" b="0" strike="noStrike" spc="-1" dirty="0">
+                          <a:solidFill>
+                            <a:schemeClr val="dk1"/>
+                          </a:solidFill>
+                          <a:latin typeface="Arial"/>
+                          <a:ea typeface="DejaVu Sans"/>
+                        </a:rPr>
+                        <a:t>0.5328</a:t>
+                      </a:r>
                     </a:p>
                   </a:txBody>
                   <a:tcPr marL="91080" marR="91080">
@@ -36863,13 +36878,16 @@
                     <a:bodyPr/>
                     <a:lstStyle/>
                     <a:p>
-                      <a:endParaRPr lang="en-US" sz="1800" b="0" strike="noStrike" spc="-1">
-                        <a:solidFill>
-                          <a:schemeClr val="dk1"/>
-                        </a:solidFill>
-                        <a:latin typeface="Arial"/>
-                        <a:ea typeface="DejaVu Sans"/>
-                      </a:endParaRPr>
+                      <a:r>
+                        <a:rPr lang="en-US" sz="1800" b="0" strike="noStrike" spc="-1" dirty="0">
+                          <a:solidFill>
+                            <a:schemeClr val="dk1"/>
+                          </a:solidFill>
+                          <a:latin typeface="Arial"/>
+                          <a:ea typeface="DejaVu Sans"/>
+                        </a:rPr>
+                        <a:t>0.6178</a:t>
+                      </a:r>
                     </a:p>
                   </a:txBody>
                   <a:tcPr marL="91080" marR="91080">
@@ -36973,13 +36991,16 @@
                     <a:bodyPr/>
                     <a:lstStyle/>
                     <a:p>
-                      <a:endParaRPr lang="en-US" sz="1800" b="0" strike="noStrike" spc="-1">
-                        <a:solidFill>
-                          <a:schemeClr val="dk1"/>
-                        </a:solidFill>
-                        <a:latin typeface="Arial"/>
-                        <a:ea typeface="DejaVu Sans"/>
-                      </a:endParaRPr>
+                      <a:r>
+                        <a:rPr lang="en-US" sz="1800" b="0" strike="noStrike" spc="-1" dirty="0">
+                          <a:solidFill>
+                            <a:schemeClr val="dk1"/>
+                          </a:solidFill>
+                          <a:latin typeface="Arial"/>
+                          <a:ea typeface="DejaVu Sans"/>
+                        </a:rPr>
+                        <a:t>0.4461</a:t>
+                      </a:r>
                     </a:p>
                   </a:txBody>
                   <a:tcPr marL="91080" marR="91080">
@@ -37015,13 +37036,16 @@
                     <a:bodyPr/>
                     <a:lstStyle/>
                     <a:p>
-                      <a:endParaRPr lang="en-US" sz="1800" b="0" strike="noStrike" spc="-1">
-                        <a:solidFill>
-                          <a:schemeClr val="dk1"/>
-                        </a:solidFill>
-                        <a:latin typeface="Arial"/>
-                        <a:ea typeface="DejaVu Sans"/>
-                      </a:endParaRPr>
+                      <a:r>
+                        <a:rPr lang="en-US" sz="1800" b="0" strike="noStrike" spc="-1" dirty="0">
+                          <a:solidFill>
+                            <a:schemeClr val="dk1"/>
+                          </a:solidFill>
+                          <a:latin typeface="Arial"/>
+                          <a:ea typeface="DejaVu Sans"/>
+                        </a:rPr>
+                        <a:t>0.5370</a:t>
+                      </a:r>
                     </a:p>
                   </a:txBody>
                   <a:tcPr marL="91080" marR="91080">
@@ -37123,13 +37147,16 @@
                     <a:bodyPr/>
                     <a:lstStyle/>
                     <a:p>
-                      <a:endParaRPr lang="en-US" sz="1800" b="0" strike="noStrike" spc="-1">
-                        <a:solidFill>
-                          <a:schemeClr val="dk1"/>
-                        </a:solidFill>
-                        <a:latin typeface="Arial"/>
-                        <a:ea typeface="DejaVu Sans"/>
-                      </a:endParaRPr>
+                      <a:r>
+                        <a:rPr lang="en-US" sz="1800" b="0" strike="noStrike" spc="-1" dirty="0">
+                          <a:solidFill>
+                            <a:schemeClr val="dk1"/>
+                          </a:solidFill>
+                          <a:latin typeface="Arial"/>
+                          <a:ea typeface="DejaVu Sans"/>
+                        </a:rPr>
+                        <a:t>0.4637</a:t>
+                      </a:r>
                     </a:p>
                   </a:txBody>
                   <a:tcPr marL="91080" marR="91080">
@@ -37165,13 +37192,16 @@
                     <a:bodyPr/>
                     <a:lstStyle/>
                     <a:p>
-                      <a:endParaRPr lang="en-US" sz="1800" b="0" strike="noStrike" spc="-1">
-                        <a:solidFill>
-                          <a:schemeClr val="dk1"/>
-                        </a:solidFill>
-                        <a:latin typeface="Arial"/>
-                        <a:ea typeface="DejaVu Sans"/>
-                      </a:endParaRPr>
+                      <a:r>
+                        <a:rPr lang="en-US" sz="1800" b="0" strike="noStrike" spc="-1" dirty="0">
+                          <a:solidFill>
+                            <a:schemeClr val="dk1"/>
+                          </a:solidFill>
+                          <a:latin typeface="Arial"/>
+                          <a:ea typeface="DejaVu Sans"/>
+                        </a:rPr>
+                        <a:t>0.5246</a:t>
+                      </a:r>
                     </a:p>
                   </a:txBody>
                   <a:tcPr marL="91080" marR="91080">
@@ -37275,13 +37305,16 @@
                     <a:bodyPr/>
                     <a:lstStyle/>
                     <a:p>
-                      <a:endParaRPr lang="en-US" sz="1800" b="0" strike="noStrike" spc="-1">
-                        <a:solidFill>
-                          <a:schemeClr val="dk1"/>
-                        </a:solidFill>
-                        <a:latin typeface="Arial"/>
-                        <a:ea typeface="DejaVu Sans"/>
-                      </a:endParaRPr>
+                      <a:r>
+                        <a:rPr lang="en-US" sz="1800" b="0" strike="noStrike" spc="-1" dirty="0">
+                          <a:solidFill>
+                            <a:schemeClr val="dk1"/>
+                          </a:solidFill>
+                          <a:latin typeface="Arial"/>
+                          <a:ea typeface="DejaVu Sans"/>
+                        </a:rPr>
+                        <a:t>0.5879</a:t>
+                      </a:r>
                     </a:p>
                   </a:txBody>
                   <a:tcPr marL="91080" marR="91080">
@@ -37317,13 +37350,16 @@
                     <a:bodyPr/>
                     <a:lstStyle/>
                     <a:p>
-                      <a:endParaRPr lang="en-US" sz="1800" b="0" strike="noStrike" spc="-1">
-                        <a:solidFill>
-                          <a:schemeClr val="dk1"/>
-                        </a:solidFill>
-                        <a:latin typeface="Arial"/>
-                        <a:ea typeface="DejaVu Sans"/>
-                      </a:endParaRPr>
+                      <a:r>
+                        <a:rPr lang="en-US" sz="1800" b="0" strike="noStrike" spc="-1" dirty="0">
+                          <a:solidFill>
+                            <a:schemeClr val="dk1"/>
+                          </a:solidFill>
+                          <a:latin typeface="Arial"/>
+                          <a:ea typeface="DejaVu Sans"/>
+                        </a:rPr>
+                        <a:t>0.6781</a:t>
+                      </a:r>
                     </a:p>
                   </a:txBody>
                   <a:tcPr marL="91080" marR="91080">
@@ -37427,13 +37463,16 @@
                     <a:bodyPr/>
                     <a:lstStyle/>
                     <a:p>
-                      <a:endParaRPr lang="en-US" sz="1800" b="0" strike="noStrike" spc="-1">
-                        <a:solidFill>
-                          <a:schemeClr val="dk1"/>
-                        </a:solidFill>
-                        <a:latin typeface="Arial"/>
-                        <a:ea typeface="DejaVu Sans"/>
-                      </a:endParaRPr>
+                      <a:r>
+                        <a:rPr lang="en-US" sz="1800" b="0" strike="noStrike" spc="-1" dirty="0">
+                          <a:solidFill>
+                            <a:schemeClr val="dk1"/>
+                          </a:solidFill>
+                          <a:latin typeface="Arial"/>
+                          <a:ea typeface="DejaVu Sans"/>
+                        </a:rPr>
+                        <a:t>0.6523</a:t>
+                      </a:r>
                     </a:p>
                   </a:txBody>
                   <a:tcPr marL="91080" marR="91080">
@@ -37469,13 +37508,16 @@
                     <a:bodyPr/>
                     <a:lstStyle/>
                     <a:p>
-                      <a:endParaRPr lang="en-US" sz="1800" b="0" strike="noStrike" spc="-1">
-                        <a:solidFill>
-                          <a:schemeClr val="dk1"/>
-                        </a:solidFill>
-                        <a:latin typeface="Arial"/>
-                        <a:ea typeface="DejaVu Sans"/>
-                      </a:endParaRPr>
+                      <a:r>
+                        <a:rPr lang="en-US" sz="1800" b="0" strike="noStrike" spc="-1" dirty="0">
+                          <a:solidFill>
+                            <a:schemeClr val="dk1"/>
+                          </a:solidFill>
+                          <a:latin typeface="Arial"/>
+                          <a:ea typeface="DejaVu Sans"/>
+                        </a:rPr>
+                        <a:t>0.7487</a:t>
+                      </a:r>
                     </a:p>
                   </a:txBody>
                   <a:tcPr marL="91080" marR="91080">
@@ -37662,7 +37704,7 @@
           <p:nvPr>
             <p:extLst>
               <p:ext uri="{D42A27DB-BD31-4B8C-83A1-F6EECF244321}">
-                <p14:modId xmlns:p14="http://schemas.microsoft.com/office/powerpoint/2010/main" val="3498772049"/>
+                <p14:modId xmlns:p14="http://schemas.microsoft.com/office/powerpoint/2010/main" val="3343588225"/>
               </p:ext>
             </p:extLst>
           </p:nvPr>
@@ -38072,13 +38114,16 @@
                     <a:bodyPr/>
                     <a:lstStyle/>
                     <a:p>
-                      <a:endParaRPr lang="en-US" sz="1400" b="0" strike="noStrike" spc="-1">
-                        <a:solidFill>
-                          <a:schemeClr val="dk1"/>
-                        </a:solidFill>
-                        <a:latin typeface="Arial"/>
-                        <a:ea typeface="DejaVu Sans"/>
-                      </a:endParaRPr>
+                      <a:r>
+                        <a:rPr lang="en-US" sz="1400" b="0" strike="noStrike" spc="-1" dirty="0">
+                          <a:solidFill>
+                            <a:schemeClr val="dk1"/>
+                          </a:solidFill>
+                          <a:latin typeface="Arial"/>
+                          <a:ea typeface="DejaVu Sans"/>
+                        </a:rPr>
+                        <a:t>0.8834</a:t>
+                      </a:r>
                     </a:p>
                   </a:txBody>
                   <a:tcPr marL="91080" marR="91080">
@@ -38114,13 +38159,16 @@
                     <a:bodyPr/>
                     <a:lstStyle/>
                     <a:p>
-                      <a:endParaRPr lang="en-US" sz="1400" b="0" strike="noStrike" spc="-1">
-                        <a:solidFill>
-                          <a:schemeClr val="dk1"/>
-                        </a:solidFill>
-                        <a:latin typeface="Arial"/>
-                        <a:ea typeface="DejaVu Sans"/>
-                      </a:endParaRPr>
+                      <a:r>
+                        <a:rPr lang="en-US" sz="1400" b="0" strike="noStrike" spc="-1" dirty="0">
+                          <a:solidFill>
+                            <a:schemeClr val="dk1"/>
+                          </a:solidFill>
+                          <a:latin typeface="Arial"/>
+                          <a:ea typeface="DejaVu Sans"/>
+                        </a:rPr>
+                        <a:t>0.8868</a:t>
+                      </a:r>
                     </a:p>
                   </a:txBody>
                   <a:tcPr marL="91080" marR="91080">
@@ -38281,13 +38329,16 @@
                     <a:bodyPr/>
                     <a:lstStyle/>
                     <a:p>
-                      <a:endParaRPr lang="en-US" sz="1400" b="0" strike="noStrike" spc="-1" dirty="0">
-                        <a:solidFill>
-                          <a:schemeClr val="dk1"/>
-                        </a:solidFill>
-                        <a:latin typeface="Arial"/>
-                        <a:ea typeface="DejaVu Sans"/>
-                      </a:endParaRPr>
+                      <a:r>
+                        <a:rPr lang="en-US" sz="1400" b="0" strike="noStrike" spc="-1" dirty="0">
+                          <a:solidFill>
+                            <a:schemeClr val="dk1"/>
+                          </a:solidFill>
+                          <a:latin typeface="Arial"/>
+                          <a:ea typeface="DejaVu Sans"/>
+                        </a:rPr>
+                        <a:t>0.8431</a:t>
+                      </a:r>
                     </a:p>
                   </a:txBody>
                   <a:tcPr marL="91080" marR="91080">
@@ -38323,13 +38374,16 @@
                     <a:bodyPr/>
                     <a:lstStyle/>
                     <a:p>
-                      <a:endParaRPr lang="en-US" sz="1400" b="0" strike="noStrike" spc="-1">
-                        <a:solidFill>
-                          <a:schemeClr val="dk1"/>
-                        </a:solidFill>
-                        <a:latin typeface="Arial"/>
-                        <a:ea typeface="DejaVu Sans"/>
-                      </a:endParaRPr>
+                      <a:r>
+                        <a:rPr lang="en-US" sz="1400" b="0" strike="noStrike" spc="-1" dirty="0">
+                          <a:solidFill>
+                            <a:schemeClr val="dk1"/>
+                          </a:solidFill>
+                          <a:latin typeface="Arial"/>
+                          <a:ea typeface="DejaVu Sans"/>
+                        </a:rPr>
+                        <a:t>0.9072</a:t>
+                      </a:r>
                     </a:p>
                   </a:txBody>
                   <a:tcPr marL="91080" marR="91080">
@@ -38490,13 +38544,16 @@
                     <a:bodyPr/>
                     <a:lstStyle/>
                     <a:p>
-                      <a:endParaRPr lang="en-US" sz="1400" b="0" strike="noStrike" spc="-1">
-                        <a:solidFill>
-                          <a:schemeClr val="dk1"/>
-                        </a:solidFill>
-                        <a:latin typeface="Arial"/>
-                        <a:ea typeface="DejaVu Sans"/>
-                      </a:endParaRPr>
+                      <a:r>
+                        <a:rPr lang="en-US" sz="1400" b="0" strike="noStrike" spc="-1" dirty="0">
+                          <a:solidFill>
+                            <a:schemeClr val="dk1"/>
+                          </a:solidFill>
+                          <a:latin typeface="Arial"/>
+                          <a:ea typeface="DejaVu Sans"/>
+                        </a:rPr>
+                        <a:t>0.9112</a:t>
+                      </a:r>
                     </a:p>
                   </a:txBody>
                   <a:tcPr marL="91080" marR="91080">
@@ -38532,13 +38589,16 @@
                     <a:bodyPr/>
                     <a:lstStyle/>
                     <a:p>
-                      <a:endParaRPr lang="en-US" sz="1400" b="0" strike="noStrike" spc="-1">
-                        <a:solidFill>
-                          <a:schemeClr val="dk1"/>
-                        </a:solidFill>
-                        <a:latin typeface="Arial"/>
-                        <a:ea typeface="DejaVu Sans"/>
-                      </a:endParaRPr>
+                      <a:r>
+                        <a:rPr lang="en-US" sz="1400" b="0" strike="noStrike" spc="-1" dirty="0">
+                          <a:solidFill>
+                            <a:schemeClr val="dk1"/>
+                          </a:solidFill>
+                          <a:latin typeface="Arial"/>
+                          <a:ea typeface="DejaVu Sans"/>
+                        </a:rPr>
+                        <a:t>0.9025</a:t>
+                      </a:r>
                     </a:p>
                   </a:txBody>
                   <a:tcPr marL="91080" marR="91080">
@@ -38699,13 +38759,16 @@
                     <a:bodyPr/>
                     <a:lstStyle/>
                     <a:p>
-                      <a:endParaRPr lang="en-US" sz="1400" b="0" strike="noStrike" spc="-1">
-                        <a:solidFill>
-                          <a:schemeClr val="dk1"/>
-                        </a:solidFill>
-                        <a:latin typeface="Arial"/>
-                        <a:ea typeface="DejaVu Sans"/>
-                      </a:endParaRPr>
+                      <a:r>
+                        <a:rPr lang="en-US" sz="1400" b="0" strike="noStrike" spc="-1" dirty="0">
+                          <a:solidFill>
+                            <a:schemeClr val="dk1"/>
+                          </a:solidFill>
+                          <a:latin typeface="Arial"/>
+                          <a:ea typeface="DejaVu Sans"/>
+                        </a:rPr>
+                        <a:t>0.8235</a:t>
+                      </a:r>
                     </a:p>
                   </a:txBody>
                   <a:tcPr marL="91080" marR="91080">
@@ -38741,13 +38804,16 @@
                     <a:bodyPr/>
                     <a:lstStyle/>
                     <a:p>
-                      <a:endParaRPr lang="en-US" sz="1400" b="0" strike="noStrike" spc="-1">
-                        <a:solidFill>
-                          <a:schemeClr val="dk1"/>
-                        </a:solidFill>
-                        <a:latin typeface="Arial"/>
-                        <a:ea typeface="DejaVu Sans"/>
-                      </a:endParaRPr>
+                      <a:r>
+                        <a:rPr lang="en-US" sz="1400" b="0" strike="noStrike" spc="-1" dirty="0">
+                          <a:solidFill>
+                            <a:schemeClr val="dk1"/>
+                          </a:solidFill>
+                          <a:latin typeface="Arial"/>
+                          <a:ea typeface="DejaVu Sans"/>
+                        </a:rPr>
+                        <a:t>0.7622</a:t>
+                      </a:r>
                     </a:p>
                   </a:txBody>
                   <a:tcPr marL="91080" marR="91080">
@@ -38908,13 +38974,16 @@
                     <a:bodyPr/>
                     <a:lstStyle/>
                     <a:p>
-                      <a:endParaRPr lang="en-US" sz="1400" b="0" strike="noStrike" spc="-1" dirty="0">
-                        <a:solidFill>
-                          <a:schemeClr val="dk1"/>
-                        </a:solidFill>
-                        <a:latin typeface="Arial"/>
-                        <a:ea typeface="DejaVu Sans"/>
-                      </a:endParaRPr>
+                      <a:r>
+                        <a:rPr lang="en-US" sz="1400" b="0" strike="noStrike" spc="-1" dirty="0">
+                          <a:solidFill>
+                            <a:schemeClr val="dk1"/>
+                          </a:solidFill>
+                          <a:latin typeface="Arial"/>
+                          <a:ea typeface="DejaVu Sans"/>
+                        </a:rPr>
+                        <a:t>0.0000</a:t>
+                      </a:r>
                     </a:p>
                   </a:txBody>
                   <a:tcPr marL="91080" marR="91080">
@@ -38950,13 +39019,16 @@
                     <a:bodyPr/>
                     <a:lstStyle/>
                     <a:p>
-                      <a:endParaRPr lang="en-US" sz="1400" b="0" strike="noStrike" spc="-1">
-                        <a:solidFill>
-                          <a:schemeClr val="dk1"/>
-                        </a:solidFill>
-                        <a:latin typeface="Arial"/>
-                        <a:ea typeface="DejaVu Sans"/>
-                      </a:endParaRPr>
+                      <a:r>
+                        <a:rPr lang="en-US" sz="1400" b="0" strike="noStrike" spc="-1" dirty="0">
+                          <a:solidFill>
+                            <a:schemeClr val="dk1"/>
+                          </a:solidFill>
+                          <a:latin typeface="Arial"/>
+                          <a:ea typeface="DejaVu Sans"/>
+                        </a:rPr>
+                        <a:t>0.0000</a:t>
+                      </a:r>
                     </a:p>
                   </a:txBody>
                   <a:tcPr marL="91080" marR="91080">
@@ -39117,13 +39189,16 @@
                     <a:bodyPr/>
                     <a:lstStyle/>
                     <a:p>
-                      <a:endParaRPr lang="en-US" sz="1400" b="0" strike="noStrike" spc="-1" dirty="0">
-                        <a:solidFill>
-                          <a:schemeClr val="dk1"/>
-                        </a:solidFill>
-                        <a:latin typeface="Arial"/>
-                        <a:ea typeface="DejaVu Sans"/>
-                      </a:endParaRPr>
+                      <a:r>
+                        <a:rPr lang="en-US" sz="1400" b="0" strike="noStrike" spc="-1" dirty="0">
+                          <a:solidFill>
+                            <a:schemeClr val="dk1"/>
+                          </a:solidFill>
+                          <a:latin typeface="Arial"/>
+                          <a:ea typeface="DejaVu Sans"/>
+                        </a:rPr>
+                        <a:t>0.9058</a:t>
+                      </a:r>
                     </a:p>
                   </a:txBody>
                   <a:tcPr marL="91080" marR="91080">
@@ -39159,13 +39234,16 @@
                     <a:bodyPr/>
                     <a:lstStyle/>
                     <a:p>
-                      <a:endParaRPr lang="en-US" sz="1400" b="0" strike="noStrike" spc="-1">
-                        <a:solidFill>
-                          <a:schemeClr val="dk1"/>
-                        </a:solidFill>
-                        <a:latin typeface="Arial"/>
-                        <a:ea typeface="DejaVu Sans"/>
-                      </a:endParaRPr>
+                      <a:r>
+                        <a:rPr lang="en-US" sz="1400" b="0" strike="noStrike" spc="-1" dirty="0">
+                          <a:solidFill>
+                            <a:schemeClr val="dk1"/>
+                          </a:solidFill>
+                          <a:latin typeface="Arial"/>
+                          <a:ea typeface="DejaVu Sans"/>
+                        </a:rPr>
+                        <a:t>0.9382</a:t>
+                      </a:r>
                     </a:p>
                   </a:txBody>
                   <a:tcPr marL="91080" marR="91080">
@@ -39326,13 +39404,16 @@
                     <a:bodyPr/>
                     <a:lstStyle/>
                     <a:p>
-                      <a:endParaRPr lang="en-US" sz="1400" b="0" strike="noStrike" spc="-1">
-                        <a:solidFill>
-                          <a:schemeClr val="dk1"/>
-                        </a:solidFill>
-                        <a:latin typeface="Arial"/>
-                        <a:ea typeface="DejaVu Sans"/>
-                      </a:endParaRPr>
+                      <a:r>
+                        <a:rPr lang="en-US" sz="1400" b="0" strike="noStrike" spc="-1" dirty="0">
+                          <a:solidFill>
+                            <a:schemeClr val="dk1"/>
+                          </a:solidFill>
+                          <a:latin typeface="Arial"/>
+                          <a:ea typeface="DejaVu Sans"/>
+                        </a:rPr>
+                        <a:t>0.3677</a:t>
+                      </a:r>
                     </a:p>
                   </a:txBody>
                   <a:tcPr marL="91080" marR="91080">
@@ -39368,13 +39449,16 @@
                     <a:bodyPr/>
                     <a:lstStyle/>
                     <a:p>
-                      <a:endParaRPr lang="en-US" sz="1400" b="0" strike="noStrike" spc="-1">
-                        <a:solidFill>
-                          <a:schemeClr val="dk1"/>
-                        </a:solidFill>
-                        <a:latin typeface="Arial"/>
-                        <a:ea typeface="DejaVu Sans"/>
-                      </a:endParaRPr>
+                      <a:r>
+                        <a:rPr lang="en-US" sz="1400" b="0" strike="noStrike" spc="-1" dirty="0">
+                          <a:solidFill>
+                            <a:schemeClr val="dk1"/>
+                          </a:solidFill>
+                          <a:latin typeface="Arial"/>
+                          <a:ea typeface="DejaVu Sans"/>
+                        </a:rPr>
+                        <a:t>0.2655</a:t>
+                      </a:r>
                     </a:p>
                   </a:txBody>
                   <a:tcPr marL="91080" marR="91080">
@@ -39535,13 +39619,16 @@
                     <a:bodyPr/>
                     <a:lstStyle/>
                     <a:p>
-                      <a:endParaRPr lang="en-US" sz="1400" b="0" strike="noStrike" spc="-1">
-                        <a:solidFill>
-                          <a:schemeClr val="dk1"/>
-                        </a:solidFill>
-                        <a:latin typeface="Arial"/>
-                        <a:ea typeface="DejaVu Sans"/>
-                      </a:endParaRPr>
+                      <a:r>
+                        <a:rPr lang="en-US" sz="1400" b="0" strike="noStrike" spc="-1" dirty="0">
+                          <a:solidFill>
+                            <a:schemeClr val="dk1"/>
+                          </a:solidFill>
+                          <a:latin typeface="Arial"/>
+                          <a:ea typeface="DejaVu Sans"/>
+                        </a:rPr>
+                        <a:t>0.4495</a:t>
+                      </a:r>
                     </a:p>
                   </a:txBody>
                   <a:tcPr marL="91080" marR="91080">
@@ -39577,13 +39664,16 @@
                     <a:bodyPr/>
                     <a:lstStyle/>
                     <a:p>
-                      <a:endParaRPr lang="en-US" sz="1400" b="0" strike="noStrike" spc="-1">
-                        <a:solidFill>
-                          <a:schemeClr val="dk1"/>
-                        </a:solidFill>
-                        <a:latin typeface="Arial"/>
-                        <a:ea typeface="DejaVu Sans"/>
-                      </a:endParaRPr>
+                      <a:r>
+                        <a:rPr lang="en-US" sz="1400" b="0" strike="noStrike" spc="-1" dirty="0">
+                          <a:solidFill>
+                            <a:schemeClr val="dk1"/>
+                          </a:solidFill>
+                          <a:latin typeface="Arial"/>
+                          <a:ea typeface="DejaVu Sans"/>
+                        </a:rPr>
+                        <a:t>0.7468</a:t>
+                      </a:r>
                     </a:p>
                   </a:txBody>
                   <a:tcPr marL="91080" marR="91080">
@@ -39744,13 +39834,16 @@
                     <a:bodyPr/>
                     <a:lstStyle/>
                     <a:p>
-                      <a:endParaRPr lang="en-US" sz="1400" b="0" strike="noStrike" spc="-1">
-                        <a:solidFill>
-                          <a:schemeClr val="dk1"/>
-                        </a:solidFill>
-                        <a:latin typeface="Arial"/>
-                        <a:ea typeface="DejaVu Sans"/>
-                      </a:endParaRPr>
+                      <a:r>
+                        <a:rPr lang="en-US" sz="1400" b="0" strike="noStrike" spc="-1" dirty="0">
+                          <a:solidFill>
+                            <a:schemeClr val="dk1"/>
+                          </a:solidFill>
+                          <a:latin typeface="Arial"/>
+                          <a:ea typeface="DejaVu Sans"/>
+                        </a:rPr>
+                        <a:t>0.0000</a:t>
+                      </a:r>
                     </a:p>
                   </a:txBody>
                   <a:tcPr marL="91080" marR="91080">
@@ -39786,13 +39879,16 @@
                     <a:bodyPr/>
                     <a:lstStyle/>
                     <a:p>
-                      <a:endParaRPr lang="en-US" sz="1400" b="0" strike="noStrike" spc="-1">
-                        <a:solidFill>
-                          <a:schemeClr val="dk1"/>
-                        </a:solidFill>
-                        <a:latin typeface="Arial"/>
-                        <a:ea typeface="DejaVu Sans"/>
-                      </a:endParaRPr>
+                      <a:r>
+                        <a:rPr lang="en-US" sz="1400" b="0" strike="noStrike" spc="-1" dirty="0">
+                          <a:solidFill>
+                            <a:schemeClr val="dk1"/>
+                          </a:solidFill>
+                          <a:latin typeface="Arial"/>
+                          <a:ea typeface="DejaVu Sans"/>
+                        </a:rPr>
+                        <a:t>0.0000</a:t>
+                      </a:r>
                     </a:p>
                   </a:txBody>
                   <a:tcPr marL="91080" marR="91080">
@@ -39953,13 +40049,16 @@
                     <a:bodyPr/>
                     <a:lstStyle/>
                     <a:p>
-                      <a:endParaRPr lang="en-US" sz="1400" b="0" strike="noStrike" spc="-1">
-                        <a:solidFill>
-                          <a:schemeClr val="dk1"/>
-                        </a:solidFill>
-                        <a:latin typeface="Arial"/>
-                        <a:ea typeface="DejaVu Sans"/>
-                      </a:endParaRPr>
+                      <a:r>
+                        <a:rPr lang="en-US" sz="1400" b="0" strike="noStrike" spc="-1" dirty="0">
+                          <a:solidFill>
+                            <a:schemeClr val="dk1"/>
+                          </a:solidFill>
+                          <a:latin typeface="Arial"/>
+                          <a:ea typeface="DejaVu Sans"/>
+                        </a:rPr>
+                        <a:t>0.8087</a:t>
+                      </a:r>
                     </a:p>
                   </a:txBody>
                   <a:tcPr marL="91080" marR="91080">
@@ -39995,13 +40094,16 @@
                     <a:bodyPr/>
                     <a:lstStyle/>
                     <a:p>
-                      <a:endParaRPr lang="en-US" sz="1400" b="0" strike="noStrike" spc="-1">
-                        <a:solidFill>
-                          <a:schemeClr val="dk1"/>
-                        </a:solidFill>
-                        <a:latin typeface="Arial"/>
-                        <a:ea typeface="DejaVu Sans"/>
-                      </a:endParaRPr>
+                      <a:r>
+                        <a:rPr lang="en-US" sz="1400" b="0" strike="noStrike" spc="-1" dirty="0">
+                          <a:solidFill>
+                            <a:schemeClr val="dk1"/>
+                          </a:solidFill>
+                          <a:latin typeface="Arial"/>
+                          <a:ea typeface="DejaVu Sans"/>
+                        </a:rPr>
+                        <a:t>0.8006</a:t>
+                      </a:r>
                     </a:p>
                   </a:txBody>
                   <a:tcPr marL="91080" marR="91080">
@@ -40162,13 +40264,16 @@
                     <a:bodyPr/>
                     <a:lstStyle/>
                     <a:p>
-                      <a:endParaRPr lang="en-US" sz="1400" b="0" strike="noStrike" spc="-1">
-                        <a:solidFill>
-                          <a:schemeClr val="dk1"/>
-                        </a:solidFill>
-                        <a:latin typeface="Arial"/>
-                        <a:ea typeface="DejaVu Sans"/>
-                      </a:endParaRPr>
+                      <a:r>
+                        <a:rPr lang="en-US" sz="1400" b="0" strike="noStrike" spc="-1" dirty="0">
+                          <a:solidFill>
+                            <a:schemeClr val="dk1"/>
+                          </a:solidFill>
+                          <a:latin typeface="Arial"/>
+                          <a:ea typeface="DejaVu Sans"/>
+                        </a:rPr>
+                        <a:t>0.5231</a:t>
+                      </a:r>
                     </a:p>
                   </a:txBody>
                   <a:tcPr marL="91080" marR="91080">
@@ -40204,13 +40309,16 @@
                     <a:bodyPr/>
                     <a:lstStyle/>
                     <a:p>
-                      <a:endParaRPr lang="en-US" sz="1400" b="0" strike="noStrike" spc="-1" dirty="0">
-                        <a:solidFill>
-                          <a:schemeClr val="dk1"/>
-                        </a:solidFill>
-                        <a:latin typeface="Arial"/>
-                        <a:ea typeface="DejaVu Sans"/>
-                      </a:endParaRPr>
+                      <a:r>
+                        <a:rPr lang="en-US" sz="1400" b="0" strike="noStrike" spc="-1" dirty="0">
+                          <a:solidFill>
+                            <a:schemeClr val="dk1"/>
+                          </a:solidFill>
+                          <a:latin typeface="Arial"/>
+                          <a:ea typeface="DejaVu Sans"/>
+                        </a:rPr>
+                        <a:t>0.5877</a:t>
+                      </a:r>
                     </a:p>
                   </a:txBody>
                   <a:tcPr marL="91080" marR="91080">
@@ -40345,8 +40453,8 @@
         </p:nvSpPr>
         <p:spPr>
           <a:xfrm>
-            <a:off x="311760" y="1152360"/>
-            <a:ext cx="8519760" cy="3415680"/>
+            <a:off x="311760" y="1152361"/>
+            <a:ext cx="8519760" cy="2033602"/>
           </a:xfrm>
           <a:prstGeom prst="rect">
             <a:avLst/>
@@ -40372,16 +40480,136 @@
               </a:tabLst>
             </a:pPr>
             <a:r>
-              <a:rPr lang="en" sz="1800" b="0" strike="noStrike" spc="-1">
+              <a:rPr lang="en" sz="1600" b="0" strike="noStrike" spc="-1" dirty="0">
                 <a:solidFill>
                   <a:srgbClr val="595959"/>
                 </a:solidFill>
                 <a:latin typeface="Arial"/>
                 <a:ea typeface="Arial"/>
               </a:rPr>
-              <a:t>[Which classes have the lowest mIoU? Why might they be the most difficult? Provide an example RGB image from Camvid that illustrates your point]</a:t>
-            </a:r>
-            <a:endParaRPr lang="en-US" sz="1800" b="0" strike="noStrike" spc="-1">
+              <a:t>[Which classes have the lowest </a:t>
+            </a:r>
+            <a:r>
+              <a:rPr lang="en" sz="1600" b="0" strike="noStrike" spc="-1" dirty="0" err="1">
+                <a:solidFill>
+                  <a:srgbClr val="595959"/>
+                </a:solidFill>
+                <a:latin typeface="Arial"/>
+                <a:ea typeface="Arial"/>
+              </a:rPr>
+              <a:t>mIoU</a:t>
+            </a:r>
+            <a:r>
+              <a:rPr lang="en" sz="1600" b="0" strike="noStrike" spc="-1" dirty="0">
+                <a:solidFill>
+                  <a:srgbClr val="595959"/>
+                </a:solidFill>
+                <a:latin typeface="Arial"/>
+                <a:ea typeface="Arial"/>
+              </a:rPr>
+              <a:t>? Why might they be the most difficult? Provide an example RGB image from </a:t>
+            </a:r>
+            <a:r>
+              <a:rPr lang="en" sz="1600" b="0" strike="noStrike" spc="-1" dirty="0" err="1">
+                <a:solidFill>
+                  <a:srgbClr val="595959"/>
+                </a:solidFill>
+                <a:latin typeface="Arial"/>
+                <a:ea typeface="Arial"/>
+              </a:rPr>
+              <a:t>Camvid</a:t>
+            </a:r>
+            <a:r>
+              <a:rPr lang="en" sz="1600" b="0" strike="noStrike" spc="-1" dirty="0">
+                <a:solidFill>
+                  <a:srgbClr val="595959"/>
+                </a:solidFill>
+                <a:latin typeface="Arial"/>
+                <a:ea typeface="Arial"/>
+              </a:rPr>
+              <a:t> that illustrates your point]</a:t>
+            </a:r>
+            <a:endParaRPr lang="en" sz="1600" spc="-1" dirty="0">
+              <a:solidFill>
+                <a:srgbClr val="595959"/>
+              </a:solidFill>
+              <a:latin typeface="Arial"/>
+            </a:endParaRPr>
+          </a:p>
+          <a:p>
+            <a:pPr indent="0" defTabSz="914400">
+              <a:lnSpc>
+                <a:spcPct val="115000"/>
+              </a:lnSpc>
+              <a:buNone/>
+              <a:tabLst>
+                <a:tab pos="0" algn="l"/>
+              </a:tabLst>
+            </a:pPr>
+            <a:r>
+              <a:rPr lang="en" sz="1600" b="0" strike="noStrike" spc="-1" dirty="0">
+                <a:solidFill>
+                  <a:srgbClr val="595959"/>
+                </a:solidFill>
+                <a:latin typeface="Arial"/>
+              </a:rPr>
+              <a:t>The </a:t>
+            </a:r>
+            <a:r>
+              <a:rPr lang="en" sz="1600" b="0" strike="noStrike" spc="-1" dirty="0" err="1">
+                <a:solidFill>
+                  <a:srgbClr val="595959"/>
+                </a:solidFill>
+                <a:latin typeface="Arial"/>
+              </a:rPr>
+              <a:t>SignSymbol</a:t>
+            </a:r>
+            <a:r>
+              <a:rPr lang="en" sz="1600" b="0" strike="noStrike" spc="-1" dirty="0">
+                <a:solidFill>
+                  <a:srgbClr val="595959"/>
+                </a:solidFill>
+                <a:latin typeface="Arial"/>
+              </a:rPr>
+              <a:t> class has one of the lowest </a:t>
+            </a:r>
+            <a:r>
+              <a:rPr lang="en" sz="1600" b="0" strike="noStrike" spc="-1" dirty="0" err="1">
+                <a:solidFill>
+                  <a:srgbClr val="595959"/>
+                </a:solidFill>
+                <a:latin typeface="Arial"/>
+              </a:rPr>
+              <a:t>mloU</a:t>
+            </a:r>
+            <a:r>
+              <a:rPr lang="en" sz="1600" b="0" strike="noStrike" spc="-1" dirty="0">
+                <a:solidFill>
+                  <a:srgbClr val="595959"/>
+                </a:solidFill>
+                <a:latin typeface="Arial"/>
+              </a:rPr>
+              <a:t> alongside </a:t>
+            </a:r>
+            <a:r>
+              <a:rPr lang="en" sz="1600" b="0" strike="noStrike" spc="-1" dirty="0" err="1">
+                <a:solidFill>
+                  <a:srgbClr val="595959"/>
+                </a:solidFill>
+                <a:latin typeface="Arial"/>
+              </a:rPr>
+              <a:t>Column_Pole</a:t>
+            </a:r>
+            <a:r>
+              <a:rPr lang="en" sz="1600" b="0" strike="noStrike" spc="-1" dirty="0">
+                <a:solidFill>
+                  <a:srgbClr val="595959"/>
+                </a:solidFill>
+                <a:latin typeface="Arial"/>
+              </a:rPr>
+              <a:t> (0.0000). The signs and the column poles are not as apparent in the picture. Signs are small and distant. The poles are vertical objects and thin which is hard to classify. These small classes can easily blend into the background making it difficult to detect. Check red dot in image for sign</a:t>
+            </a:r>
+            <a:endParaRPr lang="en-US" sz="1600" b="0" strike="noStrike" spc="-1" dirty="0">
               <a:solidFill>
                 <a:schemeClr val="dk1"/>
               </a:solidFill>
@@ -40390,6 +40618,96 @@
           </a:p>
         </p:txBody>
       </p:sp>
+      <p:pic>
+        <p:nvPicPr>
+          <p:cNvPr id="1026" name="Picture 2">
+            <a:extLst>
+              <a:ext uri="{FF2B5EF4-FFF2-40B4-BE49-F238E27FC236}">
+                <a16:creationId xmlns:a16="http://schemas.microsoft.com/office/drawing/2014/main" id="{5FB77732-2696-39B2-7E20-4CAFB851240C}"/>
+              </a:ext>
+            </a:extLst>
+          </p:cNvPr>
+          <p:cNvPicPr>
+            <a:picLocks noChangeAspect="1" noChangeArrowheads="1"/>
+          </p:cNvPicPr>
+          <p:nvPr/>
+        </p:nvPicPr>
+        <p:blipFill rotWithShape="1">
+          <a:blip r:embed="rId2">
+            <a:extLst>
+              <a:ext uri="{28A0092B-C50C-407E-A947-70E740481C1C}">
+                <a14:useLocalDpi xmlns:a14="http://schemas.microsoft.com/office/drawing/2010/main" val="0"/>
+              </a:ext>
+            </a:extLst>
+          </a:blip>
+          <a:srcRect r="32312" b="52530"/>
+          <a:stretch/>
+        </p:blipFill>
+        <p:spPr bwMode="auto">
+          <a:xfrm>
+            <a:off x="0" y="2974338"/>
+            <a:ext cx="5631309" cy="2033601"/>
+          </a:xfrm>
+          <a:prstGeom prst="rect">
+            <a:avLst/>
+          </a:prstGeom>
+          <a:noFill/>
+          <a:extLst>
+            <a:ext uri="{909E8E84-426E-40DD-AFC4-6F175D3DCCD1}">
+              <a14:hiddenFill xmlns:a14="http://schemas.microsoft.com/office/drawing/2010/main">
+                <a:solidFill>
+                  <a:srgbClr val="FFFFFF"/>
+                </a:solidFill>
+              </a14:hiddenFill>
+            </a:ext>
+          </a:extLst>
+        </p:spPr>
+      </p:pic>
+      <p:pic>
+        <p:nvPicPr>
+          <p:cNvPr id="2" name="Picture 2">
+            <a:extLst>
+              <a:ext uri="{FF2B5EF4-FFF2-40B4-BE49-F238E27FC236}">
+                <a16:creationId xmlns:a16="http://schemas.microsoft.com/office/drawing/2014/main" id="{4174F739-2344-C647-D7E7-F5111BB14D04}"/>
+              </a:ext>
+            </a:extLst>
+          </p:cNvPr>
+          <p:cNvPicPr>
+            <a:picLocks noChangeAspect="1" noChangeArrowheads="1"/>
+          </p:cNvPicPr>
+          <p:nvPr/>
+        </p:nvPicPr>
+        <p:blipFill rotWithShape="1">
+          <a:blip r:embed="rId2">
+            <a:extLst>
+              <a:ext uri="{28A0092B-C50C-407E-A947-70E740481C1C}">
+                <a14:useLocalDpi xmlns:a14="http://schemas.microsoft.com/office/drawing/2010/main" val="0"/>
+              </a:ext>
+            </a:extLst>
+          </a:blip>
+          <a:srcRect l="12515" t="6943" r="79965" b="81149"/>
+          <a:stretch/>
+        </p:blipFill>
+        <p:spPr bwMode="auto">
+          <a:xfrm>
+            <a:off x="6403641" y="3206625"/>
+            <a:ext cx="2225749" cy="1814839"/>
+          </a:xfrm>
+          <a:prstGeom prst="rect">
+            <a:avLst/>
+          </a:prstGeom>
+          <a:noFill/>
+          <a:extLst>
+            <a:ext uri="{909E8E84-426E-40DD-AFC4-6F175D3DCCD1}">
+              <a14:hiddenFill xmlns:a14="http://schemas.microsoft.com/office/drawing/2010/main">
+                <a:solidFill>
+                  <a:srgbClr val="FFFFFF"/>
+                </a:solidFill>
+              </a14:hiddenFill>
+            </a:ext>
+          </a:extLst>
+        </p:spPr>
+      </p:pic>
     </p:spTree>
   </p:cSld>
   <p:clrMapOvr>
@@ -40529,6 +40847,53 @@
           </a:p>
         </p:txBody>
       </p:sp>
+      <p:pic>
+        <p:nvPicPr>
+          <p:cNvPr id="2052" name="Picture 4">
+            <a:extLst>
+              <a:ext uri="{FF2B5EF4-FFF2-40B4-BE49-F238E27FC236}">
+                <a16:creationId xmlns:a16="http://schemas.microsoft.com/office/drawing/2014/main" id="{13F6379C-8DF0-9C5B-CE54-36B617FBB997}"/>
+              </a:ext>
+            </a:extLst>
+          </p:cNvPr>
+          <p:cNvPicPr>
+            <a:picLocks noChangeAspect="1" noChangeArrowheads="1"/>
+          </p:cNvPicPr>
+          <p:nvPr/>
+        </p:nvPicPr>
+        <p:blipFill>
+          <a:blip r:embed="rId2">
+            <a:extLst>
+              <a:ext uri="{28A0092B-C50C-407E-A947-70E740481C1C}">
+                <a14:useLocalDpi xmlns:a14="http://schemas.microsoft.com/office/drawing/2010/main" val="0"/>
+              </a:ext>
+            </a:extLst>
+          </a:blip>
+          <a:srcRect/>
+          <a:stretch>
+            <a:fillRect/>
+          </a:stretch>
+        </p:blipFill>
+        <p:spPr bwMode="auto">
+          <a:xfrm>
+            <a:off x="539015" y="1152360"/>
+            <a:ext cx="7328470" cy="3773653"/>
+          </a:xfrm>
+          <a:prstGeom prst="rect">
+            <a:avLst/>
+          </a:prstGeom>
+          <a:noFill/>
+          <a:extLst>
+            <a:ext uri="{909E8E84-426E-40DD-AFC4-6F175D3DCCD1}">
+              <a14:hiddenFill xmlns:a14="http://schemas.microsoft.com/office/drawing/2010/main">
+                <a:solidFill>
+                  <a:srgbClr val="FFFFFF"/>
+                </a:solidFill>
+              </a14:hiddenFill>
+            </a:ext>
+          </a:extLst>
+        </p:spPr>
+      </p:pic>
     </p:spTree>
   </p:cSld>
   <p:clrMapOvr>
@@ -40668,6 +41033,53 @@
           </a:p>
         </p:txBody>
       </p:sp>
+      <p:pic>
+        <p:nvPicPr>
+          <p:cNvPr id="3074" name="Picture 2">
+            <a:extLst>
+              <a:ext uri="{FF2B5EF4-FFF2-40B4-BE49-F238E27FC236}">
+                <a16:creationId xmlns:a16="http://schemas.microsoft.com/office/drawing/2014/main" id="{E7C6C540-D921-787E-EA93-194968B4B3E3}"/>
+              </a:ext>
+            </a:extLst>
+          </p:cNvPr>
+          <p:cNvPicPr>
+            <a:picLocks noChangeAspect="1" noChangeArrowheads="1"/>
+          </p:cNvPicPr>
+          <p:nvPr/>
+        </p:nvPicPr>
+        <p:blipFill>
+          <a:blip r:embed="rId2">
+            <a:extLst>
+              <a:ext uri="{28A0092B-C50C-407E-A947-70E740481C1C}">
+                <a14:useLocalDpi xmlns:a14="http://schemas.microsoft.com/office/drawing/2010/main" val="0"/>
+              </a:ext>
+            </a:extLst>
+          </a:blip>
+          <a:srcRect/>
+          <a:stretch>
+            <a:fillRect/>
+          </a:stretch>
+        </p:blipFill>
+        <p:spPr bwMode="auto">
+          <a:xfrm>
+            <a:off x="712270" y="1152360"/>
+            <a:ext cx="7328470" cy="3773653"/>
+          </a:xfrm>
+          <a:prstGeom prst="rect">
+            <a:avLst/>
+          </a:prstGeom>
+          <a:noFill/>
+          <a:extLst>
+            <a:ext uri="{909E8E84-426E-40DD-AFC4-6F175D3DCCD1}">
+              <a14:hiddenFill xmlns:a14="http://schemas.microsoft.com/office/drawing/2010/main">
+                <a:solidFill>
+                  <a:srgbClr val="FFFFFF"/>
+                </a:solidFill>
+              </a14:hiddenFill>
+            </a:ext>
+          </a:extLst>
+        </p:spPr>
+      </p:pic>
     </p:spTree>
   </p:cSld>
   <p:clrMapOvr>
@@ -40845,7 +41257,7 @@
           <p:nvPr>
             <p:extLst>
               <p:ext uri="{D42A27DB-BD31-4B8C-83A1-F6EECF244321}">
-                <p14:modId xmlns:p14="http://schemas.microsoft.com/office/powerpoint/2010/main" val="3156440670"/>
+                <p14:modId xmlns:p14="http://schemas.microsoft.com/office/powerpoint/2010/main" val="2247001203"/>
               </p:ext>
             </p:extLst>
           </p:nvPr>
@@ -41255,13 +41667,16 @@
                     <a:bodyPr/>
                     <a:lstStyle/>
                     <a:p>
-                      <a:endParaRPr lang="en-US" sz="1800" b="0" strike="noStrike" spc="-1">
-                        <a:solidFill>
-                          <a:schemeClr val="dk1"/>
-                        </a:solidFill>
-                        <a:latin typeface="Arial"/>
-                        <a:ea typeface="DejaVu Sans"/>
-                      </a:endParaRPr>
+                      <a:r>
+                        <a:rPr lang="en-US" sz="1800" b="0" strike="noStrike" spc="-1" dirty="0">
+                          <a:solidFill>
+                            <a:schemeClr val="dk1"/>
+                          </a:solidFill>
+                          <a:latin typeface="Arial"/>
+                          <a:ea typeface="DejaVu Sans"/>
+                        </a:rPr>
+                        <a:t>0.8773</a:t>
+                      </a:r>
                     </a:p>
                   </a:txBody>
                   <a:tcPr marL="91080" marR="91080">
@@ -41297,13 +41712,16 @@
                     <a:bodyPr/>
                     <a:lstStyle/>
                     <a:p>
-                      <a:endParaRPr lang="en-US" sz="1800" b="0" strike="noStrike" spc="-1">
-                        <a:solidFill>
-                          <a:schemeClr val="dk1"/>
-                        </a:solidFill>
-                        <a:latin typeface="Arial"/>
-                        <a:ea typeface="DejaVu Sans"/>
-                      </a:endParaRPr>
+                      <a:r>
+                        <a:rPr lang="en-US" sz="1800" b="0" strike="noStrike" spc="-1" dirty="0">
+                          <a:solidFill>
+                            <a:schemeClr val="dk1"/>
+                          </a:solidFill>
+                          <a:latin typeface="Arial"/>
+                          <a:ea typeface="DejaVu Sans"/>
+                        </a:rPr>
+                        <a:t>0.9250</a:t>
+                      </a:r>
                     </a:p>
                   </a:txBody>
                   <a:tcPr marL="91080" marR="91080">
@@ -41464,13 +41882,16 @@
                     <a:bodyPr/>
                     <a:lstStyle/>
                     <a:p>
-                      <a:endParaRPr lang="en-US" sz="1800" b="0" strike="noStrike" spc="-1">
-                        <a:solidFill>
-                          <a:schemeClr val="dk1"/>
-                        </a:solidFill>
-                        <a:latin typeface="Arial"/>
-                        <a:ea typeface="DejaVu Sans"/>
-                      </a:endParaRPr>
+                      <a:r>
+                        <a:rPr lang="en-US" sz="1800" b="0" strike="noStrike" spc="-1" dirty="0">
+                          <a:solidFill>
+                            <a:schemeClr val="dk1"/>
+                          </a:solidFill>
+                          <a:latin typeface="Arial"/>
+                          <a:ea typeface="DejaVu Sans"/>
+                        </a:rPr>
+                        <a:t>0.9721</a:t>
+                      </a:r>
                     </a:p>
                   </a:txBody>
                   <a:tcPr marL="91080" marR="91080">
@@ -41506,13 +41927,16 @@
                     <a:bodyPr/>
                     <a:lstStyle/>
                     <a:p>
-                      <a:endParaRPr lang="en-US" sz="1800" b="0" strike="noStrike" spc="-1" dirty="0">
-                        <a:solidFill>
-                          <a:schemeClr val="dk1"/>
-                        </a:solidFill>
-                        <a:latin typeface="Arial"/>
-                        <a:ea typeface="DejaVu Sans"/>
-                      </a:endParaRPr>
+                      <a:r>
+                        <a:rPr lang="en-US" sz="1800" b="0" strike="noStrike" spc="-1" dirty="0">
+                          <a:solidFill>
+                            <a:schemeClr val="dk1"/>
+                          </a:solidFill>
+                          <a:latin typeface="Arial"/>
+                          <a:ea typeface="DejaVu Sans"/>
+                        </a:rPr>
+                        <a:t>0.9881</a:t>
+                      </a:r>
                     </a:p>
                   </a:txBody>
                   <a:tcPr marL="91080" marR="91080">
@@ -41560,7 +41984,7 @@
           <p:nvPr>
             <p:extLst>
               <p:ext uri="{D42A27DB-BD31-4B8C-83A1-F6EECF244321}">
-                <p14:modId xmlns:p14="http://schemas.microsoft.com/office/powerpoint/2010/main" val="1024981761"/>
+                <p14:modId xmlns:p14="http://schemas.microsoft.com/office/powerpoint/2010/main" val="591873667"/>
               </p:ext>
             </p:extLst>
           </p:nvPr>
@@ -41894,13 +42318,16 @@
                     <a:bodyPr/>
                     <a:lstStyle/>
                     <a:p>
-                      <a:endParaRPr lang="en-US" sz="1800" b="0" strike="noStrike" spc="-1">
-                        <a:solidFill>
-                          <a:schemeClr val="dk1"/>
-                        </a:solidFill>
-                        <a:latin typeface="Arial"/>
-                        <a:ea typeface="DejaVu Sans"/>
-                      </a:endParaRPr>
+                      <a:r>
+                        <a:rPr lang="en-US" sz="1800" b="0" strike="noStrike" spc="-1" dirty="0">
+                          <a:solidFill>
+                            <a:schemeClr val="dk1"/>
+                          </a:solidFill>
+                          <a:latin typeface="Arial"/>
+                          <a:ea typeface="DejaVu Sans"/>
+                        </a:rPr>
+                        <a:t>0.9335</a:t>
+                      </a:r>
                     </a:p>
                   </a:txBody>
                   <a:tcPr marL="91080" marR="91080">
@@ -41936,13 +42363,16 @@
                     <a:bodyPr/>
                     <a:lstStyle/>
                     <a:p>
-                      <a:endParaRPr lang="en-US" sz="1800" b="0" strike="noStrike" spc="-1">
-                        <a:solidFill>
-                          <a:schemeClr val="dk1"/>
-                        </a:solidFill>
-                        <a:latin typeface="Arial"/>
-                        <a:ea typeface="DejaVu Sans"/>
-                      </a:endParaRPr>
+                      <a:r>
+                        <a:rPr lang="en-US" sz="1800" b="0" strike="noStrike" spc="-1" dirty="0">
+                          <a:solidFill>
+                            <a:schemeClr val="dk1"/>
+                          </a:solidFill>
+                          <a:latin typeface="Arial"/>
+                          <a:ea typeface="DejaVu Sans"/>
+                        </a:rPr>
+                        <a:t>0.9622</a:t>
+                      </a:r>
                     </a:p>
                   </a:txBody>
                   <a:tcPr marL="91080" marR="91080">
@@ -41978,13 +42408,16 @@
                     <a:bodyPr/>
                     <a:lstStyle/>
                     <a:p>
-                      <a:endParaRPr lang="en-US" sz="1800" b="0" strike="noStrike" spc="-1">
-                        <a:solidFill>
-                          <a:schemeClr val="dk1"/>
-                        </a:solidFill>
-                        <a:latin typeface="Arial"/>
-                        <a:ea typeface="DejaVu Sans"/>
-                      </a:endParaRPr>
+                      <a:r>
+                        <a:rPr lang="en-US" sz="1800" b="0" strike="noStrike" spc="-1" dirty="0">
+                          <a:solidFill>
+                            <a:schemeClr val="dk1"/>
+                          </a:solidFill>
+                          <a:latin typeface="Arial"/>
+                          <a:ea typeface="DejaVu Sans"/>
+                        </a:rPr>
+                        <a:t>0.9787</a:t>
+                      </a:r>
                     </a:p>
                   </a:txBody>
                   <a:tcPr marL="91080" marR="91080">
@@ -42086,13 +42519,16 @@
                     <a:bodyPr/>
                     <a:lstStyle/>
                     <a:p>
-                      <a:endParaRPr lang="en-US" sz="1800" b="0" strike="noStrike" spc="-1">
-                        <a:solidFill>
-                          <a:schemeClr val="dk1"/>
-                        </a:solidFill>
-                        <a:latin typeface="Arial"/>
-                        <a:ea typeface="DejaVu Sans"/>
-                      </a:endParaRPr>
+                      <a:r>
+                        <a:rPr lang="en-US" sz="1800" b="0" strike="noStrike" spc="-1" dirty="0">
+                          <a:solidFill>
+                            <a:schemeClr val="dk1"/>
+                          </a:solidFill>
+                          <a:latin typeface="Arial"/>
+                          <a:ea typeface="DejaVu Sans"/>
+                        </a:rPr>
+                        <a:t>0.9247</a:t>
+                      </a:r>
                     </a:p>
                   </a:txBody>
                   <a:tcPr marL="91080" marR="91080">
@@ -42128,13 +42564,16 @@
                     <a:bodyPr/>
                     <a:lstStyle/>
                     <a:p>
-                      <a:endParaRPr lang="en-US" sz="1800" b="0" strike="noStrike" spc="-1">
-                        <a:solidFill>
-                          <a:schemeClr val="dk1"/>
-                        </a:solidFill>
-                        <a:latin typeface="Arial"/>
-                        <a:ea typeface="DejaVu Sans"/>
-                      </a:endParaRPr>
+                      <a:r>
+                        <a:rPr lang="en-US" sz="1800" b="0" strike="noStrike" spc="-1" dirty="0">
+                          <a:solidFill>
+                            <a:schemeClr val="dk1"/>
+                          </a:solidFill>
+                          <a:latin typeface="Arial"/>
+                          <a:ea typeface="DejaVu Sans"/>
+                        </a:rPr>
+                        <a:t>0.9565</a:t>
+                      </a:r>
                     </a:p>
                   </a:txBody>
                   <a:tcPr marL="91080" marR="91080">
@@ -42170,13 +42609,16 @@
                     <a:bodyPr/>
                     <a:lstStyle/>
                     <a:p>
-                      <a:endParaRPr lang="en-US" sz="1800" b="0" strike="noStrike" spc="-1" dirty="0">
-                        <a:solidFill>
-                          <a:schemeClr val="dk1"/>
-                        </a:solidFill>
-                        <a:latin typeface="Arial"/>
-                        <a:ea typeface="DejaVu Sans"/>
-                      </a:endParaRPr>
+                      <a:r>
+                        <a:rPr lang="en-US" sz="1800" b="0" strike="noStrike" spc="-1" dirty="0">
+                          <a:solidFill>
+                            <a:schemeClr val="dk1"/>
+                          </a:solidFill>
+                          <a:latin typeface="Arial"/>
+                          <a:ea typeface="DejaVu Sans"/>
+                        </a:rPr>
+                        <a:t>0.9767</a:t>
+                      </a:r>
                     </a:p>
                   </a:txBody>
                   <a:tcPr marL="91080" marR="91080">
@@ -42308,8 +42750,8 @@
         </p:nvSpPr>
         <p:spPr>
           <a:xfrm>
-            <a:off x="311760" y="882360"/>
-            <a:ext cx="8519760" cy="656280"/>
+            <a:off x="311760" y="959228"/>
+            <a:ext cx="8519760" cy="3478017"/>
           </a:xfrm>
           <a:prstGeom prst="rect">
             <a:avLst/>
@@ -42383,6 +42825,124 @@
                 <a:ea typeface="Arial"/>
               </a:rPr>
               <a:t> or Kitti training loss decreases at a faster rate than the other, why do you think this happened? Or, if the loss decreases at a similar rate, why do you think that is so?</a:t>
+            </a:r>
+          </a:p>
+          <a:p>
+            <a:pPr indent="0" defTabSz="914400">
+              <a:lnSpc>
+                <a:spcPct val="114000"/>
+              </a:lnSpc>
+              <a:buNone/>
+              <a:tabLst>
+                <a:tab pos="0" algn="l"/>
+              </a:tabLst>
+            </a:pPr>
+            <a:endParaRPr lang="en" sz="1400" spc="-1" dirty="0">
+              <a:solidFill>
+                <a:srgbClr val="595959"/>
+              </a:solidFill>
+              <a:latin typeface="Arial"/>
+            </a:endParaRPr>
+          </a:p>
+          <a:p>
+            <a:pPr indent="0" defTabSz="914400">
+              <a:lnSpc>
+                <a:spcPct val="114000"/>
+              </a:lnSpc>
+              <a:buNone/>
+              <a:tabLst>
+                <a:tab pos="0" algn="l"/>
+              </a:tabLst>
+            </a:pPr>
+            <a:r>
+              <a:rPr lang="en" sz="1400" b="0" strike="noStrike" spc="-1" dirty="0">
+                <a:solidFill>
+                  <a:srgbClr val="595959"/>
+                </a:solidFill>
+                <a:latin typeface="Arial"/>
+              </a:rPr>
+              <a:t>The </a:t>
+            </a:r>
+            <a:r>
+              <a:rPr lang="en" sz="1400" b="0" strike="noStrike" spc="-1" dirty="0" err="1">
+                <a:solidFill>
+                  <a:srgbClr val="595959"/>
+                </a:solidFill>
+                <a:latin typeface="Arial"/>
+              </a:rPr>
+              <a:t>Camvid</a:t>
+            </a:r>
+            <a:r>
+              <a:rPr lang="en" sz="1400" b="0" strike="noStrike" spc="-1" dirty="0">
+                <a:solidFill>
+                  <a:srgbClr val="595959"/>
+                </a:solidFill>
+                <a:latin typeface="Arial"/>
+              </a:rPr>
+              <a:t> had an average loss of 0.0166 per epoc</a:t>
+            </a:r>
+            <a:r>
+              <a:rPr lang="en" sz="1400" spc="-1" dirty="0">
+                <a:solidFill>
+                  <a:srgbClr val="595959"/>
+                </a:solidFill>
+                <a:latin typeface="Arial"/>
+              </a:rPr>
+              <a:t>h and the Kitti had a 0.0169 average loss. Both of these rates are similar but the Kitti decreases slightly faster. Kitti was trained on 20 epochs and </a:t>
+            </a:r>
+            <a:r>
+              <a:rPr lang="en" sz="1400" spc="-1" dirty="0" err="1">
+                <a:solidFill>
+                  <a:srgbClr val="595959"/>
+                </a:solidFill>
+                <a:latin typeface="Arial"/>
+              </a:rPr>
+              <a:t>Camvid</a:t>
+            </a:r>
+            <a:r>
+              <a:rPr lang="en" sz="1400" spc="-1" dirty="0">
+                <a:solidFill>
+                  <a:srgbClr val="595959"/>
+                </a:solidFill>
+                <a:latin typeface="Arial"/>
+              </a:rPr>
+              <a:t> was 50 epochs. Both the losses are at the same rate so the model architecture and training hyperparameters are cons</a:t>
+            </a:r>
+            <a:r>
+              <a:rPr lang="en-US" sz="1400" spc="-1" dirty="0">
+                <a:solidFill>
+                  <a:srgbClr val="595959"/>
+                </a:solidFill>
+                <a:latin typeface="Arial"/>
+              </a:rPr>
+              <a:t>is</a:t>
+            </a:r>
+            <a:r>
+              <a:rPr lang="en" sz="1400" spc="-1" dirty="0">
+                <a:solidFill>
+                  <a:srgbClr val="595959"/>
+                </a:solidFill>
+                <a:latin typeface="Arial"/>
+              </a:rPr>
+              <a:t>tent across both tasks. </a:t>
+            </a:r>
+            <a:r>
+              <a:rPr lang="en-US" sz="1400" spc="-1" dirty="0">
+                <a:solidFill>
+                  <a:srgbClr val="595959"/>
+                </a:solidFill>
+                <a:latin typeface="Arial"/>
+              </a:rPr>
+              <a:t>This tells us that the dataset used for Kitti can be easier to learn but by a negligible amount. This means that the datasets are well structures and provide the sufficient indications for learning. The model slightly benefits from </a:t>
+            </a:r>
+            <a:r>
+              <a:rPr lang="en-US" sz="1400" spc="-1">
+                <a:solidFill>
+                  <a:srgbClr val="595959"/>
+                </a:solidFill>
+                <a:latin typeface="Arial"/>
+              </a:rPr>
+              <a:t>transfer learning.</a:t>
             </a:r>
             <a:endParaRPr lang="en-US" sz="1400" b="0" strike="noStrike" spc="-1" dirty="0">
               <a:solidFill>
